--- a/1.設計書/モデル図_20170805.pptx
+++ b/1.設計書/モデル図_20170805.pptx
@@ -18537,7 +18537,7 @@
         <p:spPr>
           <a:xfrm>
             <a:off x="179512" y="827421"/>
-            <a:ext cx="3825086" cy="769441"/>
+            <a:ext cx="4679486" cy="769441"/>
           </a:xfrm>
           <a:prstGeom prst="rect">
             <a:avLst/>
@@ -18574,7 +18574,23 @@
           <a:p>
             <a:r>
               <a:rPr lang="ja-JP" altLang="en-US" sz="1200" dirty="0" smtClean="0"/>
-              <a:t>・ジャイロセンサ値を実際に測定し、状態遷移に利用する</a:t>
+              <a:t>・</a:t>
+            </a:r>
+            <a:r>
+              <a:rPr lang="ja-JP" altLang="en-US" sz="1200" dirty="0" smtClean="0"/>
+              <a:t>ジャイロセンサー値（角速度）を</a:t>
+            </a:r>
+            <a:r>
+              <a:rPr lang="ja-JP" altLang="en-US" sz="1200" dirty="0" smtClean="0"/>
+              <a:t>実際</a:t>
+            </a:r>
+            <a:r>
+              <a:rPr lang="ja-JP" altLang="en-US" sz="1200" dirty="0" smtClean="0"/>
+              <a:t>に取得し</a:t>
+            </a:r>
+            <a:r>
+              <a:rPr lang="ja-JP" altLang="en-US" sz="1200" dirty="0" smtClean="0"/>
+              <a:t>、状態遷移に利用する</a:t>
             </a:r>
             <a:endParaRPr kumimoji="1" lang="en-US" altLang="ja-JP" sz="1200" dirty="0" smtClean="0"/>
           </a:p>
@@ -18774,36 +18790,6 @@
           </a:p>
         </p:txBody>
       </p:sp>
-      <p:pic>
-        <p:nvPicPr>
-          <p:cNvPr id="5" name="図 4"/>
-          <p:cNvPicPr>
-            <a:picLocks noChangeAspect="1"/>
-          </p:cNvPicPr>
-          <p:nvPr/>
-        </p:nvPicPr>
-        <p:blipFill>
-          <a:blip r:embed="rId3" cstate="print">
-            <a:extLst>
-              <a:ext uri="{28A0092B-C50C-407E-A947-70E740481C1C}">
-                <a14:useLocalDpi xmlns:a14="http://schemas.microsoft.com/office/drawing/2010/main" val="0"/>
-              </a:ext>
-            </a:extLst>
-          </a:blip>
-          <a:stretch>
-            <a:fillRect/>
-          </a:stretch>
-        </p:blipFill>
-        <p:spPr>
-          <a:xfrm>
-            <a:off x="467544" y="3109030"/>
-            <a:ext cx="7848872" cy="3313818"/>
-          </a:xfrm>
-          <a:prstGeom prst="rect">
-            <a:avLst/>
-          </a:prstGeom>
-        </p:spPr>
-      </p:pic>
       <p:sp>
         <p:nvSpPr>
           <p:cNvPr id="20" name="テキスト ボックス 19"/>
@@ -18828,19 +18814,69 @@
           <a:p>
             <a:r>
               <a:rPr kumimoji="1" lang="ja-JP" altLang="en-US" sz="1400" dirty="0" smtClean="0"/>
-              <a:t>・階段を登り降りするため、走行体の角度の制御と段差の検知する</a:t>
+              <a:t>・階段を登り降りするため、走行体の</a:t>
+            </a:r>
+            <a:r>
+              <a:rPr kumimoji="1" lang="ja-JP" altLang="en-US" sz="1400" dirty="0" smtClean="0"/>
+              <a:t>角度制御</a:t>
+            </a:r>
+            <a:r>
+              <a:rPr kumimoji="1" lang="ja-JP" altLang="en-US" sz="1400" dirty="0" smtClean="0"/>
+              <a:t>と</a:t>
+            </a:r>
+            <a:r>
+              <a:rPr kumimoji="1" lang="ja-JP" altLang="en-US" sz="1400" dirty="0" smtClean="0"/>
+              <a:t>段差検知を行う</a:t>
             </a:r>
             <a:endParaRPr kumimoji="1" lang="en-US" altLang="ja-JP" sz="1400" dirty="0" smtClean="0"/>
           </a:p>
           <a:p>
             <a:r>
               <a:rPr lang="ja-JP" altLang="en-US" sz="1400" dirty="0" smtClean="0"/>
-              <a:t>・回転するため、モータを動かし回転量を制御する</a:t>
+              <a:t>・回転するため、</a:t>
+            </a:r>
+            <a:r>
+              <a:rPr lang="ja-JP" altLang="en-US" sz="1400" dirty="0" smtClean="0"/>
+              <a:t>モーターの回転量</a:t>
+            </a:r>
+            <a:r>
+              <a:rPr lang="ja-JP" altLang="en-US" sz="1400" dirty="0" smtClean="0"/>
+              <a:t>を制御する</a:t>
             </a:r>
             <a:endParaRPr kumimoji="1" lang="en-US" altLang="ja-JP" sz="1400" dirty="0" smtClean="0"/>
           </a:p>
         </p:txBody>
       </p:sp>
+      <p:pic>
+        <p:nvPicPr>
+          <p:cNvPr id="3" name="図 2"/>
+          <p:cNvPicPr>
+            <a:picLocks noChangeAspect="1"/>
+          </p:cNvPicPr>
+          <p:nvPr/>
+        </p:nvPicPr>
+        <p:blipFill>
+          <a:blip r:embed="rId3" cstate="print">
+            <a:extLst>
+              <a:ext uri="{28A0092B-C50C-407E-A947-70E740481C1C}">
+                <a14:useLocalDpi xmlns:a14="http://schemas.microsoft.com/office/drawing/2010/main" val="0"/>
+              </a:ext>
+            </a:extLst>
+          </a:blip>
+          <a:stretch>
+            <a:fillRect/>
+          </a:stretch>
+        </p:blipFill>
+        <p:spPr>
+          <a:xfrm>
+            <a:off x="539552" y="3120294"/>
+            <a:ext cx="8064896" cy="3405024"/>
+          </a:xfrm>
+          <a:prstGeom prst="rect">
+            <a:avLst/>
+          </a:prstGeom>
+        </p:spPr>
+      </p:pic>
     </p:spTree>
   </p:cSld>
   <p:clrMapOvr>
@@ -18913,7 +18949,7 @@
         <p:spPr>
           <a:xfrm>
             <a:off x="107504" y="728886"/>
-            <a:ext cx="3198311" cy="276999"/>
+            <a:ext cx="4044697" cy="276999"/>
           </a:xfrm>
           <a:prstGeom prst="rect">
             <a:avLst/>
@@ -18928,7 +18964,19 @@
           <a:p>
             <a:r>
               <a:rPr lang="ja-JP" altLang="en-US" sz="1200" dirty="0" smtClean="0"/>
-              <a:t>ジャイロセンサの実際の計測値を下記に示す。</a:t>
+              <a:t>ジャイロセンサーで実際</a:t>
+            </a:r>
+            <a:r>
+              <a:rPr lang="ja-JP" altLang="en-US" sz="1200" dirty="0"/>
+              <a:t>に</a:t>
+            </a:r>
+            <a:r>
+              <a:rPr lang="ja-JP" altLang="en-US" sz="1200" dirty="0" smtClean="0"/>
+              <a:t>計測した角速度値</a:t>
+            </a:r>
+            <a:r>
+              <a:rPr lang="ja-JP" altLang="en-US" sz="1200" dirty="0" smtClean="0"/>
+              <a:t>を下記に示す。</a:t>
             </a:r>
             <a:endParaRPr kumimoji="1" lang="en-US" altLang="ja-JP" sz="1200" dirty="0" smtClean="0"/>
           </a:p>
@@ -19028,11 +19076,7 @@
           <a:p>
             <a:r>
               <a:rPr lang="ja-JP" altLang="en-US" sz="2000" b="1" dirty="0" smtClean="0"/>
-              <a:t>設計</a:t>
-            </a:r>
-            <a:r>
-              <a:rPr lang="ja-JP" altLang="en-US" sz="2000" b="1" dirty="0" smtClean="0"/>
-              <a:t>指針</a:t>
+              <a:t>設計指針</a:t>
             </a:r>
             <a:endParaRPr lang="en-US" altLang="ja-JP" sz="2000" b="1" dirty="0" smtClean="0"/>
           </a:p>
@@ -19066,7 +19110,15 @@
             </a:pPr>
             <a:r>
               <a:rPr lang="ja-JP" altLang="en-US" dirty="0" smtClean="0"/>
-              <a:t>別々の速度で階段を登った際のジャイロ角速度センサー値を示しています。</a:t>
+              <a:t>異なる速度</a:t>
+            </a:r>
+            <a:r>
+              <a:rPr lang="ja-JP" altLang="en-US" dirty="0" smtClean="0"/>
+              <a:t>で階段を登った際のジャイロ角速度センサー値を示して</a:t>
+            </a:r>
+            <a:r>
+              <a:rPr lang="ja-JP" altLang="en-US" dirty="0" smtClean="0"/>
+              <a:t>いる。</a:t>
             </a:r>
             <a:endParaRPr lang="en-US" altLang="ja-JP" dirty="0" smtClean="0"/>
           </a:p>
@@ -19077,14 +19129,30 @@
             </a:r>
             <a:r>
               <a:rPr lang="ja-JP" altLang="en-US" dirty="0" smtClean="0"/>
-              <a:t>に衝突した際に大きくセンサー値が揺れ、登りきった後にゆれ幅が一定の範囲で</a:t>
+              <a:t>に衝突した際に大きくセンサー値が揺れ、</a:t>
+            </a:r>
+            <a:r>
+              <a:rPr lang="ja-JP" altLang="en-US" dirty="0" smtClean="0"/>
+              <a:t>登り切った</a:t>
+            </a:r>
+            <a:r>
+              <a:rPr lang="ja-JP" altLang="en-US" dirty="0"/>
+              <a:t>後に揺れ幅</a:t>
+            </a:r>
+            <a:r>
+              <a:rPr lang="ja-JP" altLang="en-US" dirty="0" smtClean="0"/>
+              <a:t>が一定の範囲で</a:t>
             </a:r>
             <a:endParaRPr lang="en-US" altLang="ja-JP" dirty="0" smtClean="0"/>
           </a:p>
           <a:p>
             <a:r>
               <a:rPr lang="ja-JP" altLang="en-US" dirty="0" smtClean="0"/>
-              <a:t>落ち着くことに着目しました。</a:t>
+              <a:t>落ち着く</a:t>
+            </a:r>
+            <a:r>
+              <a:rPr lang="ja-JP" altLang="en-US" dirty="0" smtClean="0"/>
+              <a:t>ことに着目した。</a:t>
             </a:r>
             <a:endParaRPr lang="en-US" altLang="ja-JP" dirty="0" smtClean="0"/>
           </a:p>
@@ -19095,16 +19163,66 @@
             </a:pPr>
             <a:r>
               <a:rPr lang="ja-JP" altLang="en-US" dirty="0" smtClean="0"/>
-              <a:t>ロボットのいる階をステータスとして管理し、実験データを基に適切なタイミング、</a:t>
+              <a:t>ロボットのいる階をステータスとして管理し、実験データを基に適切な</a:t>
+            </a:r>
+            <a:r>
+              <a:rPr lang="ja-JP" altLang="en-US" dirty="0" smtClean="0"/>
+              <a:t>タイミングで</a:t>
             </a:r>
             <a:endParaRPr lang="en-US" altLang="ja-JP" dirty="0" smtClean="0"/>
           </a:p>
           <a:p>
             <a:r>
               <a:rPr lang="ja-JP" altLang="en-US" dirty="0" smtClean="0"/>
-              <a:t>ポジションでステータス移行できるようにしました。</a:t>
+              <a:t>ステータス移行できるようにした。</a:t>
             </a:r>
             <a:endParaRPr kumimoji="1" lang="ja-JP" altLang="en-US" dirty="0"/>
+          </a:p>
+        </p:txBody>
+      </p:sp>
+      <p:sp>
+        <p:nvSpPr>
+          <p:cNvPr id="10" name="正方形/長方形 9"/>
+          <p:cNvSpPr/>
+          <p:nvPr/>
+        </p:nvSpPr>
+        <p:spPr>
+          <a:xfrm>
+            <a:off x="120219" y="1030632"/>
+            <a:ext cx="8844270" cy="3458241"/>
+          </a:xfrm>
+          <a:prstGeom prst="rect">
+            <a:avLst/>
+          </a:prstGeom>
+          <a:noFill/>
+          <a:ln w="12700">
+            <a:solidFill>
+              <a:schemeClr val="accent6"/>
+            </a:solidFill>
+          </a:ln>
+        </p:spPr>
+        <p:style>
+          <a:lnRef idx="2">
+            <a:schemeClr val="accent1">
+              <a:shade val="50000"/>
+            </a:schemeClr>
+          </a:lnRef>
+          <a:fillRef idx="1">
+            <a:schemeClr val="accent1"/>
+          </a:fillRef>
+          <a:effectRef idx="0">
+            <a:schemeClr val="accent1"/>
+          </a:effectRef>
+          <a:fontRef idx="minor">
+            <a:schemeClr val="lt1"/>
+          </a:fontRef>
+        </p:style>
+        <p:txBody>
+          <a:bodyPr rtlCol="0" anchor="ctr"/>
+          <a:lstStyle/>
+          <a:p>
+            <a:pPr algn="ctr"/>
+            <a:endParaRPr kumimoji="1" lang="ja-JP" altLang="en-US"/>
           </a:p>
         </p:txBody>
       </p:sp>
@@ -19261,7 +19379,7 @@
         <p:spPr>
           <a:xfrm>
             <a:off x="49053" y="1007995"/>
-            <a:ext cx="2771913" cy="276999"/>
+            <a:ext cx="2165978" cy="276999"/>
           </a:xfrm>
           <a:prstGeom prst="rect">
             <a:avLst/>
@@ -19276,7 +19394,11 @@
           <a:p>
             <a:r>
               <a:rPr kumimoji="1" lang="ja-JP" altLang="en-US" sz="1200" dirty="0" smtClean="0"/>
-              <a:t>ターゲットとしている階段の構造を示す。</a:t>
+              <a:t>階段プログラムの</a:t>
+            </a:r>
+            <a:r>
+              <a:rPr kumimoji="1" lang="ja-JP" altLang="en-US" sz="1200" dirty="0" smtClean="0"/>
+              <a:t>構造を示す。</a:t>
             </a:r>
             <a:endParaRPr kumimoji="1" lang="ja-JP" altLang="en-US" sz="1200" dirty="0"/>
           </a:p>
@@ -19422,36 +19544,6 @@
           </a:prstGeom>
         </p:spPr>
       </p:pic>
-      <p:pic>
-        <p:nvPicPr>
-          <p:cNvPr id="49" name="図 48"/>
-          <p:cNvPicPr>
-            <a:picLocks noChangeAspect="1"/>
-          </p:cNvPicPr>
-          <p:nvPr/>
-        </p:nvPicPr>
-        <p:blipFill>
-          <a:blip r:embed="rId5" cstate="print">
-            <a:extLst>
-              <a:ext uri="{28A0092B-C50C-407E-A947-70E740481C1C}">
-                <a14:useLocalDpi xmlns:a14="http://schemas.microsoft.com/office/drawing/2010/main" val="0"/>
-              </a:ext>
-            </a:extLst>
-          </a:blip>
-          <a:stretch>
-            <a:fillRect/>
-          </a:stretch>
-        </p:blipFill>
-        <p:spPr>
-          <a:xfrm>
-            <a:off x="98522" y="1267586"/>
-            <a:ext cx="2722443" cy="2321528"/>
-          </a:xfrm>
-          <a:prstGeom prst="rect">
-            <a:avLst/>
-          </a:prstGeom>
-        </p:spPr>
-      </p:pic>
       <p:sp>
         <p:nvSpPr>
           <p:cNvPr id="50" name="正方形/長方形 49"/>
@@ -19507,7 +19599,7 @@
           <p:nvPr/>
         </p:nvPicPr>
         <p:blipFill>
-          <a:blip r:embed="rId6" cstate="print">
+          <a:blip r:embed="rId5" cstate="print">
             <a:extLst>
               <a:ext uri="{28A0092B-C50C-407E-A947-70E740481C1C}">
                 <a14:useLocalDpi xmlns:a14="http://schemas.microsoft.com/office/drawing/2010/main" val="0"/>
@@ -19537,7 +19629,7 @@
           <p:nvPr/>
         </p:nvPicPr>
         <p:blipFill>
-          <a:blip r:embed="rId7" cstate="print">
+          <a:blip r:embed="rId6" cstate="print">
             <a:extLst>
               <a:ext uri="{28A0092B-C50C-407E-A947-70E740481C1C}">
                 <a14:useLocalDpi xmlns:a14="http://schemas.microsoft.com/office/drawing/2010/main" val="0"/>
@@ -19751,15 +19843,7 @@
             <a:pPr algn="ctr"/>
             <a:r>
               <a:rPr lang="ja-JP" altLang="en-US" dirty="0" smtClean="0"/>
-              <a:t>階段</a:t>
-            </a:r>
-            <a:r>
-              <a:rPr lang="ja-JP" altLang="en-US" dirty="0"/>
-              <a:t>降</a:t>
-            </a:r>
-            <a:r>
-              <a:rPr lang="ja-JP" altLang="en-US" dirty="0" smtClean="0"/>
-              <a:t>りる</a:t>
+              <a:t>階段を降りる</a:t>
             </a:r>
             <a:endParaRPr kumimoji="1" lang="ja-JP" altLang="en-US" dirty="0"/>
           </a:p>
@@ -19774,7 +19858,7 @@
           <p:nvPr/>
         </p:nvPicPr>
         <p:blipFill>
-          <a:blip r:embed="rId8" cstate="print">
+          <a:blip r:embed="rId7" cstate="print">
             <a:extLst>
               <a:ext uri="{28A0092B-C50C-407E-A947-70E740481C1C}">
                 <a14:useLocalDpi xmlns:a14="http://schemas.microsoft.com/office/drawing/2010/main" val="0"/>
@@ -19797,60 +19881,64 @@
       </p:pic>
       <p:sp>
         <p:nvSpPr>
-          <p:cNvPr id="2" name="テキスト ボックス 1"/>
+          <p:cNvPr id="20" name="テキスト ボックス 19"/>
           <p:cNvSpPr txBox="1"/>
           <p:nvPr/>
         </p:nvSpPr>
         <p:spPr>
           <a:xfrm>
-            <a:off x="3251216" y="1440145"/>
-            <a:ext cx="2252540" cy="461665"/>
+            <a:off x="3171524" y="901757"/>
+            <a:ext cx="4794437" cy="276999"/>
           </a:xfrm>
           <a:prstGeom prst="rect">
             <a:avLst/>
           </a:prstGeom>
-          <a:solidFill>
-            <a:schemeClr val="accent6">
-              <a:lumMod val="20000"/>
-              <a:lumOff val="80000"/>
-            </a:schemeClr>
-          </a:solidFill>
+          <a:noFill/>
         </p:spPr>
-        <p:style>
-          <a:lnRef idx="2">
-            <a:schemeClr val="accent2"/>
-          </a:lnRef>
-          <a:fillRef idx="1">
-            <a:schemeClr val="lt1"/>
-          </a:fillRef>
-          <a:effectRef idx="0">
-            <a:schemeClr val="accent2"/>
-          </a:effectRef>
-          <a:fontRef idx="minor">
-            <a:schemeClr val="dk1"/>
-          </a:fontRef>
-        </p:style>
         <p:txBody>
-          <a:bodyPr wrap="none" rtlCol="0">
+          <a:bodyPr wrap="square" rtlCol="0">
             <a:spAutoFit/>
           </a:bodyPr>
           <a:lstStyle/>
           <a:p>
             <a:r>
-              <a:rPr kumimoji="1" lang="ja-JP" altLang="en-US" sz="1200" dirty="0" smtClean="0"/>
-              <a:t>階層のステータスと各階層での</a:t>
-            </a:r>
-            <a:endParaRPr kumimoji="1" lang="en-US" altLang="ja-JP" sz="1200" dirty="0" smtClean="0"/>
-          </a:p>
-          <a:p>
-            <a:r>
               <a:rPr lang="ja-JP" altLang="en-US" sz="1200" dirty="0" smtClean="0"/>
-              <a:t>動作を示すステータスです。</a:t>
-            </a:r>
-            <a:endParaRPr kumimoji="1" lang="ja-JP" altLang="en-US" sz="1200" dirty="0"/>
+              <a:t>各階層およびその内部の状態を示す。</a:t>
+            </a:r>
+            <a:endParaRPr lang="ja-JP" altLang="en-US" sz="1200" dirty="0"/>
           </a:p>
         </p:txBody>
       </p:sp>
+      <p:pic>
+        <p:nvPicPr>
+          <p:cNvPr id="3" name="図 2"/>
+          <p:cNvPicPr>
+            <a:picLocks noChangeAspect="1"/>
+          </p:cNvPicPr>
+          <p:nvPr/>
+        </p:nvPicPr>
+        <p:blipFill>
+          <a:blip r:embed="rId8" cstate="print">
+            <a:extLst>
+              <a:ext uri="{28A0092B-C50C-407E-A947-70E740481C1C}">
+                <a14:useLocalDpi xmlns:a14="http://schemas.microsoft.com/office/drawing/2010/main" val="0"/>
+              </a:ext>
+            </a:extLst>
+          </a:blip>
+          <a:stretch>
+            <a:fillRect/>
+          </a:stretch>
+        </p:blipFill>
+        <p:spPr>
+          <a:xfrm>
+            <a:off x="148830" y="1340768"/>
+            <a:ext cx="2607702" cy="2223684"/>
+          </a:xfrm>
+          <a:prstGeom prst="rect">
+            <a:avLst/>
+          </a:prstGeom>
+        </p:spPr>
+      </p:pic>
     </p:spTree>
   </p:cSld>
   <p:clrMapOvr>
@@ -19956,36 +20044,6 @@
           </a:p>
         </p:txBody>
       </p:sp>
-      <p:pic>
-        <p:nvPicPr>
-          <p:cNvPr id="27" name="図 26"/>
-          <p:cNvPicPr>
-            <a:picLocks noChangeAspect="1"/>
-          </p:cNvPicPr>
-          <p:nvPr/>
-        </p:nvPicPr>
-        <p:blipFill>
-          <a:blip r:embed="rId3" cstate="print">
-            <a:extLst>
-              <a:ext uri="{28A0092B-C50C-407E-A947-70E740481C1C}">
-                <a14:useLocalDpi xmlns:a14="http://schemas.microsoft.com/office/drawing/2010/main" val="0"/>
-              </a:ext>
-            </a:extLst>
-          </a:blip>
-          <a:stretch>
-            <a:fillRect/>
-          </a:stretch>
-        </p:blipFill>
-        <p:spPr>
-          <a:xfrm>
-            <a:off x="4459356" y="873292"/>
-            <a:ext cx="4517947" cy="5804744"/>
-          </a:xfrm>
-          <a:prstGeom prst="rect">
-            <a:avLst/>
-          </a:prstGeom>
-        </p:spPr>
-      </p:pic>
       <p:sp>
         <p:nvSpPr>
           <p:cNvPr id="2" name="テキスト ボックス 1"/>
@@ -19995,7 +20053,7 @@
         <p:spPr>
           <a:xfrm>
             <a:off x="531437" y="516104"/>
-            <a:ext cx="3538148" cy="369332"/>
+            <a:ext cx="2957861" cy="369332"/>
           </a:xfrm>
           <a:prstGeom prst="rect">
             <a:avLst/>
@@ -20013,8 +20071,16 @@
               <a:buChar char="u"/>
             </a:pPr>
             <a:r>
+              <a:rPr lang="ja-JP" altLang="en-US" dirty="0"/>
+              <a:t>周期</a:t>
+            </a:r>
+            <a:r>
               <a:rPr kumimoji="1" lang="ja-JP" altLang="en-US" dirty="0" smtClean="0"/>
-              <a:t>パッシブの動作と走行角度調整</a:t>
+              <a:t>動作</a:t>
+            </a:r>
+            <a:r>
+              <a:rPr kumimoji="1" lang="ja-JP" altLang="en-US" dirty="0" smtClean="0"/>
+              <a:t>と走行角度調整</a:t>
             </a:r>
             <a:endParaRPr kumimoji="1" lang="ja-JP" altLang="en-US" dirty="0"/>
           </a:p>
@@ -20064,7 +20130,37 @@
       </p:sp>
       <p:pic>
         <p:nvPicPr>
-          <p:cNvPr id="3" name="図 2"/>
+          <p:cNvPr id="4" name="図 3"/>
+          <p:cNvPicPr>
+            <a:picLocks noChangeAspect="1"/>
+          </p:cNvPicPr>
+          <p:nvPr/>
+        </p:nvPicPr>
+        <p:blipFill>
+          <a:blip r:embed="rId3" cstate="print">
+            <a:extLst>
+              <a:ext uri="{28A0092B-C50C-407E-A947-70E740481C1C}">
+                <a14:useLocalDpi xmlns:a14="http://schemas.microsoft.com/office/drawing/2010/main" val="0"/>
+              </a:ext>
+            </a:extLst>
+          </a:blip>
+          <a:stretch>
+            <a:fillRect/>
+          </a:stretch>
+        </p:blipFill>
+        <p:spPr>
+          <a:xfrm>
+            <a:off x="251520" y="922403"/>
+            <a:ext cx="4027451" cy="5758341"/>
+          </a:xfrm>
+          <a:prstGeom prst="rect">
+            <a:avLst/>
+          </a:prstGeom>
+        </p:spPr>
+      </p:pic>
+      <p:pic>
+        <p:nvPicPr>
+          <p:cNvPr id="5" name="図 4"/>
           <p:cNvPicPr>
             <a:picLocks noChangeAspect="1"/>
           </p:cNvPicPr>
@@ -20084,8 +20180,8 @@
         </p:blipFill>
         <p:spPr>
           <a:xfrm>
-            <a:off x="323528" y="908720"/>
-            <a:ext cx="4023811" cy="5753136"/>
+            <a:off x="4388825" y="922403"/>
+            <a:ext cx="4481831" cy="5758341"/>
           </a:xfrm>
           <a:prstGeom prst="rect">
             <a:avLst/>
@@ -20163,66 +20259,6 @@
           </a:p>
         </p:txBody>
       </p:sp>
-      <p:pic>
-        <p:nvPicPr>
-          <p:cNvPr id="16" name="図 15"/>
-          <p:cNvPicPr>
-            <a:picLocks noChangeAspect="1"/>
-          </p:cNvPicPr>
-          <p:nvPr/>
-        </p:nvPicPr>
-        <p:blipFill>
-          <a:blip r:embed="rId2" cstate="print">
-            <a:extLst>
-              <a:ext uri="{28A0092B-C50C-407E-A947-70E740481C1C}">
-                <a14:useLocalDpi xmlns:a14="http://schemas.microsoft.com/office/drawing/2010/main" val="0"/>
-              </a:ext>
-            </a:extLst>
-          </a:blip>
-          <a:stretch>
-            <a:fillRect/>
-          </a:stretch>
-        </p:blipFill>
-        <p:spPr>
-          <a:xfrm>
-            <a:off x="323528" y="548680"/>
-            <a:ext cx="3646854" cy="6192688"/>
-          </a:xfrm>
-          <a:prstGeom prst="rect">
-            <a:avLst/>
-          </a:prstGeom>
-        </p:spPr>
-      </p:pic>
-      <p:pic>
-        <p:nvPicPr>
-          <p:cNvPr id="18" name="図 17"/>
-          <p:cNvPicPr>
-            <a:picLocks noChangeAspect="1"/>
-          </p:cNvPicPr>
-          <p:nvPr/>
-        </p:nvPicPr>
-        <p:blipFill>
-          <a:blip r:embed="rId3" cstate="print">
-            <a:extLst>
-              <a:ext uri="{28A0092B-C50C-407E-A947-70E740481C1C}">
-                <a14:useLocalDpi xmlns:a14="http://schemas.microsoft.com/office/drawing/2010/main" val="0"/>
-              </a:ext>
-            </a:extLst>
-          </a:blip>
-          <a:stretch>
-            <a:fillRect/>
-          </a:stretch>
-        </p:blipFill>
-        <p:spPr>
-          <a:xfrm>
-            <a:off x="4091480" y="548680"/>
-            <a:ext cx="4555240" cy="6192688"/>
-          </a:xfrm>
-          <a:prstGeom prst="rect">
-            <a:avLst/>
-          </a:prstGeom>
-        </p:spPr>
-      </p:pic>
       <p:sp>
         <p:nvSpPr>
           <p:cNvPr id="5" name="テキスト ボックス 4"/>
@@ -20307,6 +20343,66 @@
           </a:p>
         </p:txBody>
       </p:sp>
+      <p:pic>
+        <p:nvPicPr>
+          <p:cNvPr id="2" name="図 1"/>
+          <p:cNvPicPr>
+            <a:picLocks noChangeAspect="1"/>
+          </p:cNvPicPr>
+          <p:nvPr/>
+        </p:nvPicPr>
+        <p:blipFill>
+          <a:blip r:embed="rId2" cstate="print">
+            <a:extLst>
+              <a:ext uri="{28A0092B-C50C-407E-A947-70E740481C1C}">
+                <a14:useLocalDpi xmlns:a14="http://schemas.microsoft.com/office/drawing/2010/main" val="0"/>
+              </a:ext>
+            </a:extLst>
+          </a:blip>
+          <a:stretch>
+            <a:fillRect/>
+          </a:stretch>
+        </p:blipFill>
+        <p:spPr>
+          <a:xfrm>
+            <a:off x="251520" y="548680"/>
+            <a:ext cx="3600400" cy="6113805"/>
+          </a:xfrm>
+          <a:prstGeom prst="rect">
+            <a:avLst/>
+          </a:prstGeom>
+        </p:spPr>
+      </p:pic>
+      <p:pic>
+        <p:nvPicPr>
+          <p:cNvPr id="3" name="図 2"/>
+          <p:cNvPicPr>
+            <a:picLocks noChangeAspect="1"/>
+          </p:cNvPicPr>
+          <p:nvPr/>
+        </p:nvPicPr>
+        <p:blipFill>
+          <a:blip r:embed="rId3" cstate="print">
+            <a:extLst>
+              <a:ext uri="{28A0092B-C50C-407E-A947-70E740481C1C}">
+                <a14:useLocalDpi xmlns:a14="http://schemas.microsoft.com/office/drawing/2010/main" val="0"/>
+              </a:ext>
+            </a:extLst>
+          </a:blip>
+          <a:stretch>
+            <a:fillRect/>
+          </a:stretch>
+        </p:blipFill>
+        <p:spPr>
+          <a:xfrm>
+            <a:off x="4073378" y="547936"/>
+            <a:ext cx="4497763" cy="6114549"/>
+          </a:xfrm>
+          <a:prstGeom prst="rect">
+            <a:avLst/>
+          </a:prstGeom>
+        </p:spPr>
+      </p:pic>
     </p:spTree>
   </p:cSld>
   <p:clrMapOvr>
